--- a/15Services.pptx
+++ b/15Services.pptx
@@ -205,7 +205,7 @@
           <a:p>
             <a:fld id="{86035F98-A1BD-4CEA-97BE-8B0B3D35457A}" type="datetimeFigureOut">
               <a:rPr lang="de-DE" smtClean="0"/>
-              <a:t>02.06.2017</a:t>
+              <a:t>07.06.2018</a:t>
             </a:fld>
             <a:endParaRPr lang="de-DE"/>
           </a:p>
@@ -601,7 +601,7 @@
           <a:p>
             <a:fld id="{D92B96C3-1F42-476F-BF68-0478C74608EE}" type="datetimeFigureOut">
               <a:rPr lang="de-DE" smtClean="0"/>
-              <a:t>02.06.2017</a:t>
+              <a:t>07.06.2018</a:t>
             </a:fld>
             <a:endParaRPr lang="de-DE"/>
           </a:p>
@@ -769,7 +769,7 @@
           <a:p>
             <a:fld id="{D92B96C3-1F42-476F-BF68-0478C74608EE}" type="datetimeFigureOut">
               <a:rPr lang="de-DE" smtClean="0"/>
-              <a:t>02.06.2017</a:t>
+              <a:t>07.06.2018</a:t>
             </a:fld>
             <a:endParaRPr lang="de-DE"/>
           </a:p>
@@ -947,7 +947,7 @@
           <a:p>
             <a:fld id="{D92B96C3-1F42-476F-BF68-0478C74608EE}" type="datetimeFigureOut">
               <a:rPr lang="de-DE" smtClean="0"/>
-              <a:t>02.06.2017</a:t>
+              <a:t>07.06.2018</a:t>
             </a:fld>
             <a:endParaRPr lang="de-DE"/>
           </a:p>
@@ -1115,7 +1115,7 @@
           <a:p>
             <a:fld id="{D92B96C3-1F42-476F-BF68-0478C74608EE}" type="datetimeFigureOut">
               <a:rPr lang="de-DE" smtClean="0"/>
-              <a:t>02.06.2017</a:t>
+              <a:t>07.06.2018</a:t>
             </a:fld>
             <a:endParaRPr lang="de-DE"/>
           </a:p>
@@ -1360,7 +1360,7 @@
           <a:p>
             <a:fld id="{D92B96C3-1F42-476F-BF68-0478C74608EE}" type="datetimeFigureOut">
               <a:rPr lang="de-DE" smtClean="0"/>
-              <a:t>02.06.2017</a:t>
+              <a:t>07.06.2018</a:t>
             </a:fld>
             <a:endParaRPr lang="de-DE"/>
           </a:p>
@@ -1589,7 +1589,7 @@
           <a:p>
             <a:fld id="{D92B96C3-1F42-476F-BF68-0478C74608EE}" type="datetimeFigureOut">
               <a:rPr lang="de-DE" smtClean="0"/>
-              <a:t>02.06.2017</a:t>
+              <a:t>07.06.2018</a:t>
             </a:fld>
             <a:endParaRPr lang="de-DE"/>
           </a:p>
@@ -1953,7 +1953,7 @@
           <a:p>
             <a:fld id="{D92B96C3-1F42-476F-BF68-0478C74608EE}" type="datetimeFigureOut">
               <a:rPr lang="de-DE" smtClean="0"/>
-              <a:t>02.06.2017</a:t>
+              <a:t>07.06.2018</a:t>
             </a:fld>
             <a:endParaRPr lang="de-DE"/>
           </a:p>
@@ -2070,7 +2070,7 @@
           <a:p>
             <a:fld id="{D92B96C3-1F42-476F-BF68-0478C74608EE}" type="datetimeFigureOut">
               <a:rPr lang="de-DE" smtClean="0"/>
-              <a:t>02.06.2017</a:t>
+              <a:t>07.06.2018</a:t>
             </a:fld>
             <a:endParaRPr lang="de-DE"/>
           </a:p>
@@ -2165,7 +2165,7 @@
           <a:p>
             <a:fld id="{D92B96C3-1F42-476F-BF68-0478C74608EE}" type="datetimeFigureOut">
               <a:rPr lang="de-DE" smtClean="0"/>
-              <a:t>02.06.2017</a:t>
+              <a:t>07.06.2018</a:t>
             </a:fld>
             <a:endParaRPr lang="de-DE"/>
           </a:p>
@@ -2440,7 +2440,7 @@
           <a:p>
             <a:fld id="{D92B96C3-1F42-476F-BF68-0478C74608EE}" type="datetimeFigureOut">
               <a:rPr lang="de-DE" smtClean="0"/>
-              <a:t>02.06.2017</a:t>
+              <a:t>07.06.2018</a:t>
             </a:fld>
             <a:endParaRPr lang="de-DE"/>
           </a:p>
@@ -2692,7 +2692,7 @@
           <a:p>
             <a:fld id="{D92B96C3-1F42-476F-BF68-0478C74608EE}" type="datetimeFigureOut">
               <a:rPr lang="de-DE" smtClean="0"/>
-              <a:t>02.06.2017</a:t>
+              <a:t>07.06.2018</a:t>
             </a:fld>
             <a:endParaRPr lang="de-DE"/>
           </a:p>
@@ -2903,7 +2903,7 @@
           <a:p>
             <a:fld id="{D92B96C3-1F42-476F-BF68-0478C74608EE}" type="datetimeFigureOut">
               <a:rPr lang="de-DE" smtClean="0"/>
-              <a:t>02.06.2017</a:t>
+              <a:t>07.06.2018</a:t>
             </a:fld>
             <a:endParaRPr lang="de-DE"/>
           </a:p>
@@ -3498,8 +3498,13 @@
           <a:p>
             <a:r>
               <a:rPr lang="de-DE" dirty="0" smtClean="0"/>
-              <a:t>Statuslos</a:t>
-            </a:r>
+              <a:t>Statuslos URI </a:t>
+            </a:r>
+            <a:r>
+              <a:rPr lang="de-DE" smtClean="0"/>
+              <a:t>als Endpunkt</a:t>
+            </a:r>
+            <a:endParaRPr lang="de-DE" dirty="0" smtClean="0"/>
           </a:p>
           <a:p>
             <a:r>
@@ -3512,8 +3517,20 @@
             </a:r>
             <a:r>
               <a:rPr lang="de-DE" dirty="0" smtClean="0"/>
-              <a:t> DB Methoden</a:t>
-            </a:r>
+              <a:t> DB </a:t>
+            </a:r>
+            <a:r>
+              <a:rPr lang="de-DE" dirty="0" smtClean="0"/>
+              <a:t>Methoden</a:t>
+            </a:r>
+          </a:p>
+          <a:p>
+            <a:pPr lvl="1"/>
+            <a:r>
+              <a:rPr lang="de-DE" dirty="0" smtClean="0"/>
+              <a:t>CRUD -&gt;Insert, Select, Update, Delete-&gt; POST, GET,PUT, DELETE</a:t>
+            </a:r>
+            <a:endParaRPr lang="de-DE" dirty="0" smtClean="0"/>
           </a:p>
           <a:p>
             <a:r>

--- a/15Services.pptx
+++ b/15Services.pptx
@@ -11,11 +11,11 @@
     <p:sldId id="256" r:id="rId2"/>
     <p:sldId id="261" r:id="rId3"/>
     <p:sldId id="266" r:id="rId4"/>
-    <p:sldId id="262" r:id="rId5"/>
-    <p:sldId id="263" r:id="rId6"/>
+    <p:sldId id="263" r:id="rId5"/>
+    <p:sldId id="262" r:id="rId6"/>
     <p:sldId id="264" r:id="rId7"/>
     <p:sldId id="267" r:id="rId8"/>
-    <p:sldId id="265" r:id="rId9"/>
+    <p:sldId id="268" r:id="rId9"/>
     <p:sldId id="260" r:id="rId10"/>
   </p:sldIdLst>
   <p:sldSz cx="12192000" cy="6858000"/>
@@ -205,7 +205,7 @@
           <a:p>
             <a:fld id="{86035F98-A1BD-4CEA-97BE-8B0B3D35457A}" type="datetimeFigureOut">
               <a:rPr lang="de-DE" smtClean="0"/>
-              <a:t>07.06.2018</a:t>
+              <a:t>08.06.2018</a:t>
             </a:fld>
             <a:endParaRPr lang="de-DE"/>
           </a:p>
@@ -601,7 +601,7 @@
           <a:p>
             <a:fld id="{D92B96C3-1F42-476F-BF68-0478C74608EE}" type="datetimeFigureOut">
               <a:rPr lang="de-DE" smtClean="0"/>
-              <a:t>07.06.2018</a:t>
+              <a:t>08.06.2018</a:t>
             </a:fld>
             <a:endParaRPr lang="de-DE"/>
           </a:p>
@@ -769,7 +769,7 @@
           <a:p>
             <a:fld id="{D92B96C3-1F42-476F-BF68-0478C74608EE}" type="datetimeFigureOut">
               <a:rPr lang="de-DE" smtClean="0"/>
-              <a:t>07.06.2018</a:t>
+              <a:t>08.06.2018</a:t>
             </a:fld>
             <a:endParaRPr lang="de-DE"/>
           </a:p>
@@ -947,7 +947,7 @@
           <a:p>
             <a:fld id="{D92B96C3-1F42-476F-BF68-0478C74608EE}" type="datetimeFigureOut">
               <a:rPr lang="de-DE" smtClean="0"/>
-              <a:t>07.06.2018</a:t>
+              <a:t>08.06.2018</a:t>
             </a:fld>
             <a:endParaRPr lang="de-DE"/>
           </a:p>
@@ -1115,7 +1115,7 @@
           <a:p>
             <a:fld id="{D92B96C3-1F42-476F-BF68-0478C74608EE}" type="datetimeFigureOut">
               <a:rPr lang="de-DE" smtClean="0"/>
-              <a:t>07.06.2018</a:t>
+              <a:t>08.06.2018</a:t>
             </a:fld>
             <a:endParaRPr lang="de-DE"/>
           </a:p>
@@ -1360,7 +1360,7 @@
           <a:p>
             <a:fld id="{D92B96C3-1F42-476F-BF68-0478C74608EE}" type="datetimeFigureOut">
               <a:rPr lang="de-DE" smtClean="0"/>
-              <a:t>07.06.2018</a:t>
+              <a:t>08.06.2018</a:t>
             </a:fld>
             <a:endParaRPr lang="de-DE"/>
           </a:p>
@@ -1589,7 +1589,7 @@
           <a:p>
             <a:fld id="{D92B96C3-1F42-476F-BF68-0478C74608EE}" type="datetimeFigureOut">
               <a:rPr lang="de-DE" smtClean="0"/>
-              <a:t>07.06.2018</a:t>
+              <a:t>08.06.2018</a:t>
             </a:fld>
             <a:endParaRPr lang="de-DE"/>
           </a:p>
@@ -1953,7 +1953,7 @@
           <a:p>
             <a:fld id="{D92B96C3-1F42-476F-BF68-0478C74608EE}" type="datetimeFigureOut">
               <a:rPr lang="de-DE" smtClean="0"/>
-              <a:t>07.06.2018</a:t>
+              <a:t>08.06.2018</a:t>
             </a:fld>
             <a:endParaRPr lang="de-DE"/>
           </a:p>
@@ -2070,7 +2070,7 @@
           <a:p>
             <a:fld id="{D92B96C3-1F42-476F-BF68-0478C74608EE}" type="datetimeFigureOut">
               <a:rPr lang="de-DE" smtClean="0"/>
-              <a:t>07.06.2018</a:t>
+              <a:t>08.06.2018</a:t>
             </a:fld>
             <a:endParaRPr lang="de-DE"/>
           </a:p>
@@ -2165,7 +2165,7 @@
           <a:p>
             <a:fld id="{D92B96C3-1F42-476F-BF68-0478C74608EE}" type="datetimeFigureOut">
               <a:rPr lang="de-DE" smtClean="0"/>
-              <a:t>07.06.2018</a:t>
+              <a:t>08.06.2018</a:t>
             </a:fld>
             <a:endParaRPr lang="de-DE"/>
           </a:p>
@@ -2440,7 +2440,7 @@
           <a:p>
             <a:fld id="{D92B96C3-1F42-476F-BF68-0478C74608EE}" type="datetimeFigureOut">
               <a:rPr lang="de-DE" smtClean="0"/>
-              <a:t>07.06.2018</a:t>
+              <a:t>08.06.2018</a:t>
             </a:fld>
             <a:endParaRPr lang="de-DE"/>
           </a:p>
@@ -2692,7 +2692,7 @@
           <a:p>
             <a:fld id="{D92B96C3-1F42-476F-BF68-0478C74608EE}" type="datetimeFigureOut">
               <a:rPr lang="de-DE" smtClean="0"/>
-              <a:t>07.06.2018</a:t>
+              <a:t>08.06.2018</a:t>
             </a:fld>
             <a:endParaRPr lang="de-DE"/>
           </a:p>
@@ -2903,7 +2903,7 @@
           <a:p>
             <a:fld id="{D92B96C3-1F42-476F-BF68-0478C74608EE}" type="datetimeFigureOut">
               <a:rPr lang="de-DE" smtClean="0"/>
-              <a:t>07.06.2018</a:t>
+              <a:t>08.06.2018</a:t>
             </a:fld>
             <a:endParaRPr lang="de-DE"/>
           </a:p>
@@ -3475,7 +3475,11 @@
           <a:p>
             <a:r>
               <a:rPr lang="de-DE" dirty="0" smtClean="0"/>
-              <a:t>Web Services</a:t>
+              <a:t>Web </a:t>
+            </a:r>
+            <a:r>
+              <a:rPr lang="de-DE" dirty="0" smtClean="0"/>
+              <a:t>Services</a:t>
             </a:r>
             <a:endParaRPr lang="de-DE" dirty="0"/>
           </a:p>
@@ -3517,11 +3521,7 @@
             </a:r>
             <a:r>
               <a:rPr lang="de-DE" dirty="0" smtClean="0"/>
-              <a:t> DB </a:t>
-            </a:r>
-            <a:r>
-              <a:rPr lang="de-DE" dirty="0" smtClean="0"/>
-              <a:t>Methoden</a:t>
+              <a:t> DB Methoden</a:t>
             </a:r>
           </a:p>
           <a:p>
@@ -3530,7 +3530,6 @@
               <a:rPr lang="de-DE" dirty="0" smtClean="0"/>
               <a:t>CRUD -&gt;Insert, Select, Update, Delete-&gt; POST, GET,PUT, DELETE</a:t>
             </a:r>
-            <a:endParaRPr lang="de-DE" dirty="0" smtClean="0"/>
           </a:p>
           <a:p>
             <a:r>
@@ -3617,40 +3616,129 @@
           <a:lstStyle/>
           <a:p>
             <a:r>
+              <a:rPr lang="de-DE" dirty="0" smtClean="0"/>
+              <a:t>ASPX </a:t>
+            </a:r>
+            <a:r>
+              <a:rPr lang="de-DE" dirty="0" smtClean="0"/>
+              <a:t>Service	</a:t>
+            </a:r>
+            <a:endParaRPr lang="de-DE" dirty="0"/>
+          </a:p>
+        </p:txBody>
+      </p:sp>
+      <p:sp>
+        <p:nvSpPr>
+          <p:cNvPr id="3" name="Inhaltsplatzhalter 2"/>
+          <p:cNvSpPr>
+            <a:spLocks noGrp="1"/>
+          </p:cNvSpPr>
+          <p:nvPr>
+            <p:ph idx="1"/>
+          </p:nvPr>
+        </p:nvSpPr>
+        <p:spPr/>
+        <p:txBody>
+          <a:bodyPr/>
+          <a:lstStyle/>
+          <a:p>
+            <a:r>
+              <a:rPr lang="de-DE" dirty="0" smtClean="0"/>
+              <a:t>ASPX Seite ohne HTML </a:t>
+            </a:r>
+            <a:r>
+              <a:rPr lang="de-DE" dirty="0" smtClean="0"/>
+              <a:t>Inhalt</a:t>
+            </a:r>
+          </a:p>
+          <a:p>
+            <a:pPr lvl="1"/>
+            <a:r>
+              <a:rPr lang="de-DE" dirty="0" smtClean="0"/>
+              <a:t>Kein Head, Body, Form!</a:t>
+            </a:r>
+            <a:endParaRPr lang="de-DE" dirty="0" smtClean="0"/>
+          </a:p>
+          <a:p>
+            <a:pPr lvl="1"/>
+            <a:r>
+              <a:rPr lang="de-DE" dirty="0" smtClean="0"/>
+              <a:t>Table für Ajax </a:t>
+            </a:r>
+            <a:r>
               <a:rPr lang="de-DE" dirty="0" err="1" smtClean="0"/>
-              <a:t>Self</a:t>
-            </a:r>
-            <a:r>
-              <a:rPr lang="de-DE" dirty="0" smtClean="0"/>
-              <a:t> Service	</a:t>
+              <a:t>CallBack</a:t>
+            </a:r>
+            <a:endParaRPr lang="de-DE" dirty="0" smtClean="0"/>
+          </a:p>
+          <a:p>
+            <a:pPr lvl="1"/>
+            <a:r>
+              <a:rPr lang="de-DE" dirty="0" smtClean="0"/>
+              <a:t>Excel </a:t>
+            </a:r>
+            <a:r>
+              <a:rPr lang="de-DE" dirty="0" smtClean="0"/>
+              <a:t>zurückgeben</a:t>
+            </a:r>
+          </a:p>
+          <a:p>
+            <a:pPr lvl="2"/>
+            <a:r>
+              <a:rPr lang="de-DE" dirty="0" err="1" smtClean="0"/>
+              <a:t>ContentType</a:t>
+            </a:r>
+            <a:endParaRPr lang="de-DE" dirty="0" smtClean="0"/>
+          </a:p>
+          <a:p>
+            <a:pPr lvl="1"/>
+            <a:r>
+              <a:rPr lang="de-DE" dirty="0" smtClean="0"/>
+              <a:t>Zeichenkette</a:t>
+            </a:r>
+          </a:p>
+          <a:p>
+            <a:pPr lvl="2"/>
+            <a:r>
+              <a:rPr lang="de-DE" dirty="0" smtClean="0"/>
+              <a:t>Einzelner Wert</a:t>
+            </a:r>
+            <a:endParaRPr lang="de-DE" dirty="0" smtClean="0"/>
+          </a:p>
+          <a:p>
+            <a:pPr lvl="1"/>
+            <a:r>
+              <a:rPr lang="de-DE" dirty="0" smtClean="0"/>
+              <a:t>XML</a:t>
             </a:r>
             <a:endParaRPr lang="de-DE" dirty="0"/>
           </a:p>
         </p:txBody>
       </p:sp>
-      <p:sp>
-        <p:nvSpPr>
-          <p:cNvPr id="3" name="Inhaltsplatzhalter 2"/>
-          <p:cNvSpPr>
-            <a:spLocks noGrp="1"/>
-          </p:cNvSpPr>
-          <p:nvPr>
-            <p:ph idx="1"/>
-          </p:nvPr>
-        </p:nvSpPr>
-        <p:spPr/>
-        <p:txBody>
-          <a:bodyPr/>
-          <a:lstStyle/>
-          <a:p>
-            <a:r>
-              <a:rPr lang="de-DE" smtClean="0"/>
-              <a:t>Excel zurückgeben</a:t>
-            </a:r>
-            <a:endParaRPr lang="de-DE"/>
-          </a:p>
-        </p:txBody>
-      </p:sp>
+      <p:pic>
+        <p:nvPicPr>
+          <p:cNvPr id="4" name="Grafik 3"/>
+          <p:cNvPicPr>
+            <a:picLocks noChangeAspect="1"/>
+          </p:cNvPicPr>
+          <p:nvPr/>
+        </p:nvPicPr>
+        <p:blipFill>
+          <a:blip r:embed="rId2"/>
+          <a:stretch>
+            <a:fillRect/>
+          </a:stretch>
+        </p:blipFill>
+        <p:spPr>
+          <a:xfrm>
+            <a:off x="6539471" y="512948"/>
+            <a:ext cx="4674409" cy="2625353"/>
+          </a:xfrm>
+          <a:prstGeom prst="rect">
+            <a:avLst/>
+          </a:prstGeom>
+        </p:spPr>
+      </p:pic>
     </p:spTree>
     <p:extLst>
       <p:ext uri="{BB962C8B-B14F-4D97-AF65-F5344CB8AC3E}">
@@ -3705,115 +3793,79 @@
           <a:p>
             <a:r>
               <a:rPr lang="de-DE" dirty="0" smtClean="0"/>
-              <a:t>ASP.NET Page </a:t>
-            </a:r>
+              <a:t>ASMX Services</a:t>
+            </a:r>
+            <a:endParaRPr lang="de-DE" dirty="0"/>
+          </a:p>
+        </p:txBody>
+      </p:sp>
+      <p:sp>
+        <p:nvSpPr>
+          <p:cNvPr id="3" name="Inhaltsplatzhalter 2"/>
+          <p:cNvSpPr>
+            <a:spLocks noGrp="1"/>
+          </p:cNvSpPr>
+          <p:nvPr>
+            <p:ph idx="1"/>
+          </p:nvPr>
+        </p:nvSpPr>
+        <p:spPr/>
+        <p:txBody>
+          <a:bodyPr/>
+          <a:lstStyle/>
+          <a:p>
+            <a:r>
+              <a:rPr lang="de-DE" dirty="0" smtClean="0"/>
+              <a:t>ASMX Template</a:t>
+            </a:r>
+          </a:p>
+          <a:p>
+            <a:r>
+              <a:rPr lang="de-DE" dirty="0" smtClean="0"/>
+              <a:t>UI für Test-&gt; Start in Browser</a:t>
+            </a:r>
+          </a:p>
+          <a:p>
+            <a:r>
+              <a:rPr lang="de-DE" dirty="0" smtClean="0"/>
+              <a:t>Methoden mit Attributen</a:t>
+            </a:r>
+          </a:p>
+          <a:p>
+            <a:pPr lvl="1"/>
+            <a:r>
+              <a:rPr lang="de-DE" dirty="0" smtClean="0"/>
+              <a:t>Service Web Interface</a:t>
+            </a:r>
+          </a:p>
+          <a:p>
+            <a:pPr lvl="1"/>
             <a:r>
               <a:rPr lang="de-DE" dirty="0" err="1" smtClean="0"/>
-              <a:t>Methods</a:t>
-            </a:r>
-            <a:endParaRPr lang="de-DE" dirty="0"/>
-          </a:p>
-        </p:txBody>
-      </p:sp>
-      <p:sp>
-        <p:nvSpPr>
-          <p:cNvPr id="3" name="Inhaltsplatzhalter 2"/>
-          <p:cNvSpPr>
-            <a:spLocks noGrp="1"/>
-          </p:cNvSpPr>
-          <p:nvPr>
-            <p:ph idx="1"/>
-          </p:nvPr>
-        </p:nvSpPr>
-        <p:spPr/>
-        <p:txBody>
-          <a:bodyPr/>
-          <a:lstStyle/>
-          <a:p>
-            <a:r>
-              <a:rPr lang="de-DE" dirty="0" smtClean="0"/>
-              <a:t>Mini Service</a:t>
-            </a:r>
-          </a:p>
-          <a:p>
-            <a:r>
-              <a:rPr lang="de-DE" dirty="0"/>
-              <a:t> &lt;</a:t>
-            </a:r>
-            <a:r>
-              <a:rPr lang="de-DE" dirty="0" err="1"/>
-              <a:t>asp:ScriptManager</a:t>
-            </a:r>
-            <a:r>
-              <a:rPr lang="de-DE" dirty="0"/>
-              <a:t> </a:t>
-            </a:r>
-            <a:r>
-              <a:rPr lang="de-DE" dirty="0" err="1"/>
-              <a:t>runat</a:t>
-            </a:r>
-            <a:r>
-              <a:rPr lang="de-DE" dirty="0"/>
-              <a:t>="</a:t>
-            </a:r>
-            <a:r>
-              <a:rPr lang="de-DE" dirty="0" err="1"/>
-              <a:t>server</a:t>
-            </a:r>
-            <a:r>
-              <a:rPr lang="de-DE" dirty="0"/>
-              <a:t>" </a:t>
-            </a:r>
-            <a:r>
-              <a:rPr lang="de-DE" dirty="0" err="1"/>
-              <a:t>AjaxFrameworkMode</a:t>
-            </a:r>
-            <a:r>
-              <a:rPr lang="de-DE" dirty="0"/>
-              <a:t>="Enabled" </a:t>
-            </a:r>
-            <a:r>
-              <a:rPr lang="de-DE" dirty="0" err="1"/>
-              <a:t>EnablePageMethods</a:t>
-            </a:r>
-            <a:r>
-              <a:rPr lang="de-DE" dirty="0"/>
-              <a:t>="</a:t>
-            </a:r>
-            <a:r>
-              <a:rPr lang="de-DE" dirty="0" err="1"/>
-              <a:t>true</a:t>
-            </a:r>
-            <a:r>
-              <a:rPr lang="de-DE" dirty="0"/>
-              <a:t>"&gt;</a:t>
-            </a:r>
-          </a:p>
-          <a:p>
-            <a:r>
-              <a:rPr lang="de-DE" dirty="0"/>
-              <a:t>  </a:t>
-            </a:r>
-            <a:r>
-              <a:rPr lang="de-DE" dirty="0" err="1"/>
-              <a:t>settings.AutoRedirectMode</a:t>
-            </a:r>
-            <a:r>
-              <a:rPr lang="de-DE" dirty="0"/>
-              <a:t> = </a:t>
-            </a:r>
-            <a:r>
-              <a:rPr lang="de-DE" dirty="0" err="1"/>
-              <a:t>RedirectMode.Off</a:t>
-            </a:r>
-            <a:r>
-              <a:rPr lang="de-DE" dirty="0" smtClean="0"/>
-              <a:t>;  bei </a:t>
-            </a:r>
-            <a:r>
-              <a:rPr lang="de-DE" dirty="0" err="1" smtClean="0"/>
-              <a:t>Friendlyurls</a:t>
-            </a:r>
+              <a:t>ScriptMethod</a:t>
+            </a:r>
+            <a:r>
+              <a:rPr lang="de-DE" dirty="0" smtClean="0"/>
+              <a:t> auf Klasse</a:t>
+            </a:r>
+          </a:p>
+          <a:p>
+            <a:r>
+              <a:rPr lang="de-DE" dirty="0" smtClean="0"/>
+              <a:t>SOAP oder JSON</a:t>
+            </a:r>
+          </a:p>
+          <a:p>
+            <a:pPr lvl="1"/>
+            <a:r>
+              <a:rPr lang="de-DE" dirty="0" smtClean="0"/>
+              <a:t>Abhängig von HTTP Request Header</a:t>
+            </a:r>
+          </a:p>
+          <a:p>
+            <a:endParaRPr lang="de-DE" dirty="0" smtClean="0"/>
+          </a:p>
+          <a:p>
             <a:endParaRPr lang="de-DE" dirty="0"/>
           </a:p>
         </p:txBody>
@@ -3821,7 +3873,7 @@
     </p:spTree>
     <p:extLst>
       <p:ext uri="{BB962C8B-B14F-4D97-AF65-F5344CB8AC3E}">
-        <p14:creationId xmlns:p14="http://schemas.microsoft.com/office/powerpoint/2010/main" val="3696277684"/>
+        <p14:creationId xmlns:p14="http://schemas.microsoft.com/office/powerpoint/2010/main" val="508585039"/>
       </p:ext>
     </p:extLst>
   </p:cSld>
@@ -3872,7 +3924,11 @@
           <a:p>
             <a:r>
               <a:rPr lang="de-DE" dirty="0" smtClean="0"/>
-              <a:t>ASMX Services</a:t>
+              <a:t>ASP.NET Page </a:t>
+            </a:r>
+            <a:r>
+              <a:rPr lang="de-DE" dirty="0" err="1" smtClean="0"/>
+              <a:t>Methods</a:t>
             </a:r>
             <a:endParaRPr lang="de-DE" dirty="0"/>
           </a:p>
@@ -3895,42 +3951,127 @@
           <a:p>
             <a:r>
               <a:rPr lang="de-DE" dirty="0" smtClean="0"/>
-              <a:t>ASMX Template</a:t>
-            </a:r>
-          </a:p>
-          <a:p>
-            <a:r>
-              <a:rPr lang="de-DE" dirty="0" smtClean="0"/>
-              <a:t>Ala </a:t>
+              <a:t>Mini Service in Page</a:t>
+            </a:r>
+          </a:p>
+          <a:p>
+            <a:pPr lvl="1"/>
+            <a:r>
+              <a:rPr lang="de-DE" dirty="0" smtClean="0"/>
+              <a:t>Funktion </a:t>
+            </a:r>
+            <a:r>
+              <a:rPr lang="de-DE" dirty="0" smtClean="0"/>
+              <a:t>Statisch/</a:t>
             </a:r>
             <a:r>
               <a:rPr lang="de-DE" dirty="0" err="1" smtClean="0"/>
-              <a:t>PageMethod</a:t>
+              <a:t>shared</a:t>
             </a:r>
             <a:endParaRPr lang="de-DE" dirty="0" smtClean="0"/>
           </a:p>
           <a:p>
-            <a:r>
-              <a:rPr lang="de-DE" dirty="0" smtClean="0"/>
-              <a:t>Service Web Interface</a:t>
-            </a:r>
-          </a:p>
-          <a:p>
+            <a:pPr lvl="1"/>
+            <a:r>
+              <a:rPr lang="de-DE" dirty="0" smtClean="0"/>
+              <a:t>Kein Zugriff auf Page </a:t>
+            </a:r>
+            <a:r>
+              <a:rPr lang="de-DE" dirty="0" smtClean="0"/>
+              <a:t>Objekte</a:t>
+            </a:r>
+          </a:p>
+          <a:p>
+            <a:pPr lvl="2"/>
             <a:r>
               <a:rPr lang="de-DE" dirty="0" err="1" smtClean="0"/>
-              <a:t>ScriptMethod</a:t>
-            </a:r>
-            <a:r>
-              <a:rPr lang="de-DE" dirty="0" smtClean="0"/>
+              <a:t>Httpcontext.current</a:t>
+            </a:r>
+            <a:endParaRPr lang="de-DE" dirty="0" smtClean="0"/>
+          </a:p>
+          <a:p>
+            <a:pPr lvl="1"/>
+            <a:endParaRPr lang="de-DE" dirty="0" smtClean="0"/>
+          </a:p>
+          <a:p>
+            <a:r>
+              <a:rPr lang="de-DE" dirty="0"/>
+              <a:t> &lt;</a:t>
+            </a:r>
+            <a:r>
+              <a:rPr lang="de-DE" dirty="0" err="1"/>
+              <a:t>asp:ScriptManager</a:t>
+            </a:r>
+            <a:r>
+              <a:rPr lang="de-DE" dirty="0"/>
               <a:t> </a:t>
             </a:r>
             <a:r>
-              <a:rPr lang="de-DE" smtClean="0"/>
-              <a:t>auf Klasse</a:t>
-            </a:r>
-            <a:endParaRPr lang="de-DE" dirty="0" smtClean="0"/>
-          </a:p>
-          <a:p>
+              <a:rPr lang="de-DE" dirty="0" err="1"/>
+              <a:t>runat</a:t>
+            </a:r>
+            <a:r>
+              <a:rPr lang="de-DE" dirty="0"/>
+              <a:t>="</a:t>
+            </a:r>
+            <a:r>
+              <a:rPr lang="de-DE" dirty="0" err="1"/>
+              <a:t>server</a:t>
+            </a:r>
+            <a:r>
+              <a:rPr lang="de-DE" dirty="0"/>
+              <a:t>" </a:t>
+            </a:r>
+            <a:r>
+              <a:rPr lang="de-DE" dirty="0" err="1"/>
+              <a:t>AjaxFrameworkMode</a:t>
+            </a:r>
+            <a:r>
+              <a:rPr lang="de-DE" dirty="0"/>
+              <a:t>="Enabled" </a:t>
+            </a:r>
+            <a:r>
+              <a:rPr lang="de-DE" dirty="0" err="1"/>
+              <a:t>EnablePageMethods</a:t>
+            </a:r>
+            <a:r>
+              <a:rPr lang="de-DE" dirty="0"/>
+              <a:t>="</a:t>
+            </a:r>
+            <a:r>
+              <a:rPr lang="de-DE" dirty="0" err="1"/>
+              <a:t>true</a:t>
+            </a:r>
+            <a:r>
+              <a:rPr lang="de-DE" dirty="0"/>
+              <a:t>"&gt;</a:t>
+            </a:r>
+          </a:p>
+          <a:p>
+            <a:r>
+              <a:rPr lang="de-DE" dirty="0"/>
+              <a:t>  </a:t>
+            </a:r>
+            <a:r>
+              <a:rPr lang="de-DE" dirty="0" err="1"/>
+              <a:t>settings.AutoRedirectMode</a:t>
+            </a:r>
+            <a:r>
+              <a:rPr lang="de-DE" dirty="0"/>
+              <a:t> = </a:t>
+            </a:r>
+            <a:r>
+              <a:rPr lang="de-DE" dirty="0" err="1"/>
+              <a:t>RedirectMode.Off</a:t>
+            </a:r>
+            <a:r>
+              <a:rPr lang="de-DE" dirty="0" smtClean="0"/>
+              <a:t>;  bei </a:t>
+            </a:r>
+            <a:r>
+              <a:rPr lang="de-DE" dirty="0" err="1" smtClean="0"/>
+              <a:t>Friendlyurls</a:t>
+            </a:r>
             <a:endParaRPr lang="de-DE" dirty="0"/>
           </a:p>
         </p:txBody>
@@ -3938,7 +4079,7 @@
     </p:spTree>
     <p:extLst>
       <p:ext uri="{BB962C8B-B14F-4D97-AF65-F5344CB8AC3E}">
-        <p14:creationId xmlns:p14="http://schemas.microsoft.com/office/powerpoint/2010/main" val="508585039"/>
+        <p14:creationId xmlns:p14="http://schemas.microsoft.com/office/powerpoint/2010/main" val="3696277684"/>
       </p:ext>
     </p:extLst>
   </p:cSld>
@@ -4010,7 +4151,65 @@
           <a:bodyPr/>
           <a:lstStyle/>
           <a:p>
-            <a:endParaRPr lang="de-DE"/>
+            <a:r>
+              <a:rPr lang="de-DE" dirty="0" smtClean="0"/>
+              <a:t>REST Ansatz	</a:t>
+            </a:r>
+          </a:p>
+          <a:p>
+            <a:pPr lvl="1"/>
+            <a:r>
+              <a:rPr lang="de-DE" dirty="0" smtClean="0"/>
+              <a:t>URI Endpunkt</a:t>
+            </a:r>
+          </a:p>
+          <a:p>
+            <a:pPr lvl="1"/>
+            <a:r>
+              <a:rPr lang="de-DE" dirty="0" smtClean="0"/>
+              <a:t>CRUD per HTTP Verbs</a:t>
+            </a:r>
+          </a:p>
+          <a:p>
+            <a:pPr lvl="1"/>
+            <a:r>
+              <a:rPr lang="de-DE" dirty="0" smtClean="0"/>
+              <a:t>Content </a:t>
+            </a:r>
+            <a:r>
+              <a:rPr lang="de-DE" dirty="0" err="1" smtClean="0"/>
+              <a:t>Negotiation</a:t>
+            </a:r>
+            <a:r>
+              <a:rPr lang="de-DE" dirty="0" smtClean="0"/>
+              <a:t> –Format häng vom Header ab</a:t>
+            </a:r>
+          </a:p>
+          <a:p>
+            <a:pPr lvl="1"/>
+            <a:r>
+              <a:rPr lang="de-DE" dirty="0" err="1" smtClean="0"/>
+              <a:t>Idempotent</a:t>
+            </a:r>
+            <a:endParaRPr lang="de-DE" dirty="0" smtClean="0"/>
+          </a:p>
+          <a:p>
+            <a:r>
+              <a:rPr lang="de-DE" dirty="0" err="1" smtClean="0"/>
+              <a:t>Scaffolding</a:t>
+            </a:r>
+            <a:r>
+              <a:rPr lang="de-DE" dirty="0" smtClean="0"/>
+              <a:t> CRUD</a:t>
+            </a:r>
+          </a:p>
+          <a:p>
+            <a:pPr lvl="1"/>
+            <a:r>
+              <a:rPr lang="de-DE" dirty="0" smtClean="0"/>
+              <a:t>Controller</a:t>
+            </a:r>
+            <a:endParaRPr lang="de-DE" dirty="0"/>
           </a:p>
         </p:txBody>
       </p:sp>
@@ -4093,7 +4292,67 @@
           <a:bodyPr/>
           <a:lstStyle/>
           <a:p>
-            <a:endParaRPr lang="de-DE"/>
+            <a:r>
+              <a:rPr lang="de-DE" dirty="0" smtClean="0"/>
+              <a:t>Vom Server senden</a:t>
+            </a:r>
+          </a:p>
+          <a:p>
+            <a:pPr lvl="1"/>
+            <a:r>
+              <a:rPr lang="de-DE" dirty="0" err="1" smtClean="0"/>
+              <a:t>Websockets</a:t>
+            </a:r>
+            <a:r>
+              <a:rPr lang="de-DE" dirty="0" smtClean="0"/>
+              <a:t>, http </a:t>
+            </a:r>
+            <a:r>
+              <a:rPr lang="de-DE" dirty="0" err="1" smtClean="0"/>
+              <a:t>Connected</a:t>
+            </a:r>
+            <a:r>
+              <a:rPr lang="de-DE" dirty="0" smtClean="0"/>
+              <a:t> </a:t>
+            </a:r>
+          </a:p>
+          <a:p>
+            <a:r>
+              <a:rPr lang="de-DE" dirty="0" smtClean="0"/>
+              <a:t>Library für JavaScript und Net Clients</a:t>
+            </a:r>
+          </a:p>
+          <a:p>
+            <a:pPr lvl="1"/>
+            <a:r>
+              <a:rPr lang="de-DE" dirty="0" smtClean="0"/>
+              <a:t>Jquery </a:t>
+            </a:r>
+            <a:r>
+              <a:rPr lang="de-DE" dirty="0" err="1" smtClean="0"/>
+              <a:t>based</a:t>
+            </a:r>
+            <a:endParaRPr lang="de-DE" dirty="0" smtClean="0"/>
+          </a:p>
+          <a:p>
+            <a:r>
+              <a:rPr lang="de-DE" dirty="0" smtClean="0"/>
+              <a:t>Library für ASP.NET</a:t>
+            </a:r>
+          </a:p>
+          <a:p>
+            <a:pPr lvl="1"/>
+            <a:r>
+              <a:rPr lang="de-DE" dirty="0" smtClean="0"/>
+              <a:t>Hub Klasse</a:t>
+            </a:r>
+          </a:p>
+          <a:p>
+            <a:r>
+              <a:rPr lang="de-DE" dirty="0" smtClean="0"/>
+              <a:t>Nachricht an alle, Teilnehmer, Gruppen</a:t>
+            </a:r>
+            <a:endParaRPr lang="de-DE" dirty="0"/>
           </a:p>
         </p:txBody>
       </p:sp>
@@ -4150,16 +4409,12 @@
           <a:lstStyle/>
           <a:p>
             <a:r>
+              <a:rPr lang="de-DE" dirty="0" smtClean="0"/>
+              <a:t>Übung </a:t>
+            </a:r>
+            <a:r>
               <a:rPr lang="de-DE" dirty="0" err="1" smtClean="0"/>
-              <a:t>Azure</a:t>
-            </a:r>
-            <a:r>
-              <a:rPr lang="de-DE" dirty="0" smtClean="0"/>
-              <a:t> </a:t>
-            </a:r>
-            <a:r>
-              <a:rPr lang="de-DE" dirty="0" err="1" smtClean="0"/>
-              <a:t>Deploy</a:t>
+              <a:t>Autocompletebox</a:t>
             </a:r>
             <a:endParaRPr lang="de-DE" dirty="0"/>
           </a:p>
@@ -4187,7 +4442,7 @@
     </p:spTree>
     <p:extLst>
       <p:ext uri="{BB962C8B-B14F-4D97-AF65-F5344CB8AC3E}">
-        <p14:creationId xmlns:p14="http://schemas.microsoft.com/office/powerpoint/2010/main" val="1874345181"/>
+        <p14:creationId xmlns:p14="http://schemas.microsoft.com/office/powerpoint/2010/main" val="2253618374"/>
       </p:ext>
     </p:extLst>
   </p:cSld>
@@ -4237,8 +4492,8 @@
           <a:lstStyle/>
           <a:p>
             <a:r>
-              <a:rPr lang="de-DE" dirty="0" smtClean="0"/>
-              <a:t>Taschenrechner </a:t>
+              <a:rPr lang="de-DE" smtClean="0"/>
+              <a:t>Übung Chat</a:t>
             </a:r>
             <a:endParaRPr lang="de-DE" dirty="0"/>
           </a:p>

--- a/15Services.pptx
+++ b/15Services.pptx
@@ -3475,11 +3475,7 @@
           <a:p>
             <a:r>
               <a:rPr lang="de-DE" dirty="0" smtClean="0"/>
-              <a:t>Web </a:t>
-            </a:r>
-            <a:r>
-              <a:rPr lang="de-DE" dirty="0" smtClean="0"/>
-              <a:t>Services</a:t>
+              <a:t>Web Services</a:t>
             </a:r>
             <a:endParaRPr lang="de-DE" dirty="0"/>
           </a:p>
@@ -3617,38 +3613,30 @@
           <a:p>
             <a:r>
               <a:rPr lang="de-DE" dirty="0" smtClean="0"/>
-              <a:t>ASPX </a:t>
-            </a:r>
+              <a:t>ASPX Service	</a:t>
+            </a:r>
+            <a:endParaRPr lang="de-DE" dirty="0"/>
+          </a:p>
+        </p:txBody>
+      </p:sp>
+      <p:sp>
+        <p:nvSpPr>
+          <p:cNvPr id="3" name="Inhaltsplatzhalter 2"/>
+          <p:cNvSpPr>
+            <a:spLocks noGrp="1"/>
+          </p:cNvSpPr>
+          <p:nvPr>
+            <p:ph idx="1"/>
+          </p:nvPr>
+        </p:nvSpPr>
+        <p:spPr/>
+        <p:txBody>
+          <a:bodyPr/>
+          <a:lstStyle/>
+          <a:p>
             <a:r>
               <a:rPr lang="de-DE" dirty="0" smtClean="0"/>
-              <a:t>Service	</a:t>
-            </a:r>
-            <a:endParaRPr lang="de-DE" dirty="0"/>
-          </a:p>
-        </p:txBody>
-      </p:sp>
-      <p:sp>
-        <p:nvSpPr>
-          <p:cNvPr id="3" name="Inhaltsplatzhalter 2"/>
-          <p:cNvSpPr>
-            <a:spLocks noGrp="1"/>
-          </p:cNvSpPr>
-          <p:nvPr>
-            <p:ph idx="1"/>
-          </p:nvPr>
-        </p:nvSpPr>
-        <p:spPr/>
-        <p:txBody>
-          <a:bodyPr/>
-          <a:lstStyle/>
-          <a:p>
-            <a:r>
-              <a:rPr lang="de-DE" dirty="0" smtClean="0"/>
-              <a:t>ASPX Seite ohne HTML </a:t>
-            </a:r>
-            <a:r>
-              <a:rPr lang="de-DE" dirty="0" smtClean="0"/>
-              <a:t>Inhalt</a:t>
+              <a:t>ASPX Seite ohne HTML Inhalt</a:t>
             </a:r>
           </a:p>
           <a:p>
@@ -3657,7 +3645,6 @@
               <a:rPr lang="de-DE" dirty="0" smtClean="0"/>
               <a:t>Kein Head, Body, Form!</a:t>
             </a:r>
-            <a:endParaRPr lang="de-DE" dirty="0" smtClean="0"/>
           </a:p>
           <a:p>
             <a:pPr lvl="1"/>
@@ -3675,11 +3662,7 @@
             <a:pPr lvl="1"/>
             <a:r>
               <a:rPr lang="de-DE" dirty="0" smtClean="0"/>
-              <a:t>Excel </a:t>
-            </a:r>
-            <a:r>
-              <a:rPr lang="de-DE" dirty="0" smtClean="0"/>
-              <a:t>zurückgeben</a:t>
+              <a:t>Excel zurückgeben</a:t>
             </a:r>
           </a:p>
           <a:p>
@@ -3703,7 +3686,6 @@
               <a:rPr lang="de-DE" dirty="0" smtClean="0"/>
               <a:t>Einzelner Wert</a:t>
             </a:r>
-            <a:endParaRPr lang="de-DE" dirty="0" smtClean="0"/>
           </a:p>
           <a:p>
             <a:pPr lvl="1"/>
@@ -3958,11 +3940,7 @@
             <a:pPr lvl="1"/>
             <a:r>
               <a:rPr lang="de-DE" dirty="0" smtClean="0"/>
-              <a:t>Funktion </a:t>
-            </a:r>
-            <a:r>
-              <a:rPr lang="de-DE" dirty="0" smtClean="0"/>
-              <a:t>Statisch/</a:t>
+              <a:t>Funktion Statisch/</a:t>
             </a:r>
             <a:r>
               <a:rPr lang="de-DE" dirty="0" err="1" smtClean="0"/>
@@ -3974,18 +3952,26 @@
             <a:pPr lvl="1"/>
             <a:r>
               <a:rPr lang="de-DE" dirty="0" smtClean="0"/>
-              <a:t>Kein Zugriff auf Page </a:t>
+              <a:t>Kein Zugriff auf Page Objekte</a:t>
+            </a:r>
+          </a:p>
+          <a:p>
+            <a:pPr lvl="2"/>
+            <a:r>
+              <a:rPr lang="de-DE" dirty="0" err="1" smtClean="0"/>
+              <a:t>HttpContext.Current</a:t>
+            </a:r>
+            <a:r>
+              <a:rPr lang="de-DE" dirty="0"/>
+              <a:t> </a:t>
             </a:r>
             <a:r>
               <a:rPr lang="de-DE" dirty="0" smtClean="0"/>
-              <a:t>Objekte</a:t>
-            </a:r>
-          </a:p>
-          <a:p>
-            <a:pPr lvl="2"/>
-            <a:r>
-              <a:rPr lang="de-DE" dirty="0" err="1" smtClean="0"/>
-              <a:t>Httpcontext.current</a:t>
+              <a:t>…. </a:t>
+            </a:r>
+            <a:r>
+              <a:rPr lang="de-DE" smtClean="0"/>
+              <a:t>Response.Write</a:t>
             </a:r>
             <a:endParaRPr lang="de-DE" dirty="0" smtClean="0"/>
           </a:p>

--- a/15Services.pptx
+++ b/15Services.pptx
@@ -13,9 +13,9 @@
     <p:sldId id="266" r:id="rId4"/>
     <p:sldId id="263" r:id="rId5"/>
     <p:sldId id="262" r:id="rId6"/>
-    <p:sldId id="264" r:id="rId7"/>
-    <p:sldId id="267" r:id="rId8"/>
-    <p:sldId id="268" r:id="rId9"/>
+    <p:sldId id="268" r:id="rId7"/>
+    <p:sldId id="264" r:id="rId8"/>
+    <p:sldId id="267" r:id="rId9"/>
     <p:sldId id="260" r:id="rId10"/>
   </p:sldIdLst>
   <p:sldSz cx="12192000" cy="6858000"/>
@@ -3970,7 +3970,7 @@
               <a:t>…. </a:t>
             </a:r>
             <a:r>
-              <a:rPr lang="de-DE" smtClean="0"/>
+              <a:rPr lang="de-DE" dirty="0" err="1" smtClean="0"/>
               <a:t>Response.Write</a:t>
             </a:r>
             <a:endParaRPr lang="de-DE" dirty="0" smtClean="0"/>
@@ -4116,7 +4116,11 @@
           <a:p>
             <a:r>
               <a:rPr lang="de-DE" dirty="0" smtClean="0"/>
-              <a:t>Web API</a:t>
+              <a:t>Übung </a:t>
+            </a:r>
+            <a:r>
+              <a:rPr lang="de-DE" dirty="0" err="1" smtClean="0"/>
+              <a:t>Autocompletebox</a:t>
             </a:r>
             <a:endParaRPr lang="de-DE" dirty="0"/>
           </a:p>
@@ -4137,72 +4141,14 @@
           <a:bodyPr/>
           <a:lstStyle/>
           <a:p>
-            <a:r>
-              <a:rPr lang="de-DE" dirty="0" smtClean="0"/>
-              <a:t>REST Ansatz	</a:t>
-            </a:r>
-          </a:p>
-          <a:p>
-            <a:pPr lvl="1"/>
-            <a:r>
-              <a:rPr lang="de-DE" dirty="0" smtClean="0"/>
-              <a:t>URI Endpunkt</a:t>
-            </a:r>
-          </a:p>
-          <a:p>
-            <a:pPr lvl="1"/>
-            <a:r>
-              <a:rPr lang="de-DE" dirty="0" smtClean="0"/>
-              <a:t>CRUD per HTTP Verbs</a:t>
-            </a:r>
-          </a:p>
-          <a:p>
-            <a:pPr lvl="1"/>
-            <a:r>
-              <a:rPr lang="de-DE" dirty="0" smtClean="0"/>
-              <a:t>Content </a:t>
-            </a:r>
-            <a:r>
-              <a:rPr lang="de-DE" dirty="0" err="1" smtClean="0"/>
-              <a:t>Negotiation</a:t>
-            </a:r>
-            <a:r>
-              <a:rPr lang="de-DE" dirty="0" smtClean="0"/>
-              <a:t> –Format häng vom Header ab</a:t>
-            </a:r>
-          </a:p>
-          <a:p>
-            <a:pPr lvl="1"/>
-            <a:r>
-              <a:rPr lang="de-DE" dirty="0" err="1" smtClean="0"/>
-              <a:t>Idempotent</a:t>
-            </a:r>
-            <a:endParaRPr lang="de-DE" dirty="0" smtClean="0"/>
-          </a:p>
-          <a:p>
-            <a:r>
-              <a:rPr lang="de-DE" dirty="0" err="1" smtClean="0"/>
-              <a:t>Scaffolding</a:t>
-            </a:r>
-            <a:r>
-              <a:rPr lang="de-DE" dirty="0" smtClean="0"/>
-              <a:t> CRUD</a:t>
-            </a:r>
-          </a:p>
-          <a:p>
-            <a:pPr lvl="1"/>
-            <a:r>
-              <a:rPr lang="de-DE" dirty="0" smtClean="0"/>
-              <a:t>Controller</a:t>
-            </a:r>
-            <a:endParaRPr lang="de-DE" dirty="0"/>
+            <a:endParaRPr lang="de-DE"/>
           </a:p>
         </p:txBody>
       </p:sp>
     </p:spTree>
     <p:extLst>
       <p:ext uri="{BB962C8B-B14F-4D97-AF65-F5344CB8AC3E}">
-        <p14:creationId xmlns:p14="http://schemas.microsoft.com/office/powerpoint/2010/main" val="2263466609"/>
+        <p14:creationId xmlns:p14="http://schemas.microsoft.com/office/powerpoint/2010/main" val="2253618374"/>
       </p:ext>
     </p:extLst>
   </p:cSld>
@@ -4253,13 +4199,9 @@
           <a:p>
             <a:r>
               <a:rPr lang="de-DE" dirty="0" smtClean="0"/>
-              <a:t>Push per </a:t>
-            </a:r>
-            <a:r>
-              <a:rPr lang="de-DE" smtClean="0"/>
-              <a:t>SignalR</a:t>
-            </a:r>
-            <a:endParaRPr lang="de-DE"/>
+              <a:t>Web API</a:t>
+            </a:r>
+            <a:endParaRPr lang="de-DE" dirty="0"/>
           </a:p>
         </p:txBody>
       </p:sp>
@@ -4280,63 +4222,61 @@
           <a:p>
             <a:r>
               <a:rPr lang="de-DE" dirty="0" smtClean="0"/>
-              <a:t>Vom Server senden</a:t>
+              <a:t>REST Ansatz	</a:t>
             </a:r>
           </a:p>
           <a:p>
             <a:pPr lvl="1"/>
             <a:r>
+              <a:rPr lang="de-DE" dirty="0" smtClean="0"/>
+              <a:t>URI Endpunkt</a:t>
+            </a:r>
+          </a:p>
+          <a:p>
+            <a:pPr lvl="1"/>
+            <a:r>
+              <a:rPr lang="de-DE" dirty="0" smtClean="0"/>
+              <a:t>CRUD per HTTP Verbs</a:t>
+            </a:r>
+          </a:p>
+          <a:p>
+            <a:pPr lvl="1"/>
+            <a:r>
+              <a:rPr lang="de-DE" dirty="0" smtClean="0"/>
+              <a:t>Content </a:t>
+            </a:r>
+            <a:r>
               <a:rPr lang="de-DE" dirty="0" err="1" smtClean="0"/>
-              <a:t>Websockets</a:t>
+              <a:t>Negotiation</a:t>
             </a:r>
             <a:r>
               <a:rPr lang="de-DE" dirty="0" smtClean="0"/>
-              <a:t>, http </a:t>
-            </a:r>
+              <a:t> –Format häng vom Header ab</a:t>
+            </a:r>
+          </a:p>
+          <a:p>
+            <a:pPr lvl="1"/>
             <a:r>
               <a:rPr lang="de-DE" dirty="0" err="1" smtClean="0"/>
-              <a:t>Connected</a:t>
+              <a:t>Idempotent</a:t>
+            </a:r>
+            <a:endParaRPr lang="de-DE" dirty="0" smtClean="0"/>
+          </a:p>
+          <a:p>
+            <a:r>
+              <a:rPr lang="de-DE" dirty="0" err="1" smtClean="0"/>
+              <a:t>Scaffolding</a:t>
             </a:r>
             <a:r>
               <a:rPr lang="de-DE" dirty="0" smtClean="0"/>
-              <a:t> </a:t>
-            </a:r>
-          </a:p>
-          <a:p>
+              <a:t> CRUD</a:t>
+            </a:r>
+          </a:p>
+          <a:p>
+            <a:pPr lvl="1"/>
             <a:r>
               <a:rPr lang="de-DE" dirty="0" smtClean="0"/>
-              <a:t>Library für JavaScript und Net Clients</a:t>
-            </a:r>
-          </a:p>
-          <a:p>
-            <a:pPr lvl="1"/>
-            <a:r>
-              <a:rPr lang="de-DE" dirty="0" smtClean="0"/>
-              <a:t>Jquery </a:t>
-            </a:r>
-            <a:r>
-              <a:rPr lang="de-DE" dirty="0" err="1" smtClean="0"/>
-              <a:t>based</a:t>
-            </a:r>
-            <a:endParaRPr lang="de-DE" dirty="0" smtClean="0"/>
-          </a:p>
-          <a:p>
-            <a:r>
-              <a:rPr lang="de-DE" dirty="0" smtClean="0"/>
-              <a:t>Library für ASP.NET</a:t>
-            </a:r>
-          </a:p>
-          <a:p>
-            <a:pPr lvl="1"/>
-            <a:r>
-              <a:rPr lang="de-DE" dirty="0" smtClean="0"/>
-              <a:t>Hub Klasse</a:t>
-            </a:r>
-          </a:p>
-          <a:p>
-            <a:r>
-              <a:rPr lang="de-DE" dirty="0" smtClean="0"/>
-              <a:t>Nachricht an alle, Teilnehmer, Gruppen</a:t>
+              <a:t>Controller</a:t>
             </a:r>
             <a:endParaRPr lang="de-DE" dirty="0"/>
           </a:p>
@@ -4345,7 +4285,7 @@
     </p:spTree>
     <p:extLst>
       <p:ext uri="{BB962C8B-B14F-4D97-AF65-F5344CB8AC3E}">
-        <p14:creationId xmlns:p14="http://schemas.microsoft.com/office/powerpoint/2010/main" val="3661712916"/>
+        <p14:creationId xmlns:p14="http://schemas.microsoft.com/office/powerpoint/2010/main" val="2263466609"/>
       </p:ext>
     </p:extLst>
   </p:cSld>
@@ -4396,39 +4336,99 @@
           <a:p>
             <a:r>
               <a:rPr lang="de-DE" dirty="0" smtClean="0"/>
-              <a:t>Übung </a:t>
-            </a:r>
+              <a:t>Push per </a:t>
+            </a:r>
+            <a:r>
+              <a:rPr lang="de-DE" smtClean="0"/>
+              <a:t>SignalR</a:t>
+            </a:r>
+            <a:endParaRPr lang="de-DE"/>
+          </a:p>
+        </p:txBody>
+      </p:sp>
+      <p:sp>
+        <p:nvSpPr>
+          <p:cNvPr id="3" name="Inhaltsplatzhalter 2"/>
+          <p:cNvSpPr>
+            <a:spLocks noGrp="1"/>
+          </p:cNvSpPr>
+          <p:nvPr>
+            <p:ph idx="1"/>
+          </p:nvPr>
+        </p:nvSpPr>
+        <p:spPr/>
+        <p:txBody>
+          <a:bodyPr/>
+          <a:lstStyle/>
+          <a:p>
+            <a:r>
+              <a:rPr lang="de-DE" dirty="0" smtClean="0"/>
+              <a:t>Vom Server senden</a:t>
+            </a:r>
+          </a:p>
+          <a:p>
+            <a:pPr lvl="1"/>
             <a:r>
               <a:rPr lang="de-DE" dirty="0" err="1" smtClean="0"/>
-              <a:t>Autocompletebox</a:t>
+              <a:t>Websockets</a:t>
+            </a:r>
+            <a:r>
+              <a:rPr lang="de-DE" dirty="0" smtClean="0"/>
+              <a:t>, http </a:t>
+            </a:r>
+            <a:r>
+              <a:rPr lang="de-DE" dirty="0" err="1" smtClean="0"/>
+              <a:t>Connected</a:t>
+            </a:r>
+            <a:r>
+              <a:rPr lang="de-DE" dirty="0" smtClean="0"/>
+              <a:t> </a:t>
+            </a:r>
+          </a:p>
+          <a:p>
+            <a:r>
+              <a:rPr lang="de-DE" dirty="0" smtClean="0"/>
+              <a:t>Library für JavaScript und Net Clients</a:t>
+            </a:r>
+          </a:p>
+          <a:p>
+            <a:pPr lvl="1"/>
+            <a:r>
+              <a:rPr lang="de-DE" dirty="0" smtClean="0"/>
+              <a:t>Jquery </a:t>
+            </a:r>
+            <a:r>
+              <a:rPr lang="de-DE" dirty="0" err="1" smtClean="0"/>
+              <a:t>based</a:t>
+            </a:r>
+            <a:endParaRPr lang="de-DE" dirty="0" smtClean="0"/>
+          </a:p>
+          <a:p>
+            <a:r>
+              <a:rPr lang="de-DE" dirty="0" smtClean="0"/>
+              <a:t>Library für ASP.NET</a:t>
+            </a:r>
+          </a:p>
+          <a:p>
+            <a:pPr lvl="1"/>
+            <a:r>
+              <a:rPr lang="de-DE" dirty="0" smtClean="0"/>
+              <a:t>Hub Klasse</a:t>
+            </a:r>
+          </a:p>
+          <a:p>
+            <a:r>
+              <a:rPr lang="de-DE" dirty="0" smtClean="0"/>
+              <a:t>Nachricht an alle, Teilnehmer, Gruppen</a:t>
             </a:r>
             <a:endParaRPr lang="de-DE" dirty="0"/>
-          </a:p>
-        </p:txBody>
-      </p:sp>
-      <p:sp>
-        <p:nvSpPr>
-          <p:cNvPr id="3" name="Inhaltsplatzhalter 2"/>
-          <p:cNvSpPr>
-            <a:spLocks noGrp="1"/>
-          </p:cNvSpPr>
-          <p:nvPr>
-            <p:ph idx="1"/>
-          </p:nvPr>
-        </p:nvSpPr>
-        <p:spPr/>
-        <p:txBody>
-          <a:bodyPr/>
-          <a:lstStyle/>
-          <a:p>
-            <a:endParaRPr lang="de-DE"/>
           </a:p>
         </p:txBody>
       </p:sp>
     </p:spTree>
     <p:extLst>
       <p:ext uri="{BB962C8B-B14F-4D97-AF65-F5344CB8AC3E}">
-        <p14:creationId xmlns:p14="http://schemas.microsoft.com/office/powerpoint/2010/main" val="2253618374"/>
+        <p14:creationId xmlns:p14="http://schemas.microsoft.com/office/powerpoint/2010/main" val="3661712916"/>
       </p:ext>
     </p:extLst>
   </p:cSld>

--- a/15Services.pptx
+++ b/15Services.pptx
@@ -4413,8 +4413,28 @@
             <a:pPr lvl="1"/>
             <a:r>
               <a:rPr lang="de-DE" dirty="0" smtClean="0"/>
-              <a:t>Hub Klasse</a:t>
-            </a:r>
+              <a:t>Hub </a:t>
+            </a:r>
+            <a:r>
+              <a:rPr lang="de-DE" dirty="0" smtClean="0"/>
+              <a:t>Klasse</a:t>
+            </a:r>
+          </a:p>
+          <a:p>
+            <a:pPr lvl="2"/>
+            <a:r>
+              <a:rPr lang="de-DE" dirty="0" smtClean="0"/>
+              <a:t>In JS mit </a:t>
+            </a:r>
+            <a:r>
+              <a:rPr lang="de-DE" dirty="0" err="1" smtClean="0"/>
+              <a:t>kleinBuchstaben</a:t>
+            </a:r>
+            <a:r>
+              <a:rPr lang="de-DE" smtClean="0"/>
+              <a:t> beginnend!</a:t>
+            </a:r>
+            <a:endParaRPr lang="de-DE" dirty="0" smtClean="0"/>
           </a:p>
           <a:p>
             <a:r>
